--- a/305-객체/305-2.객체란.pptx
+++ b/305-객체/305-2.객체란.pptx
@@ -210,7 +210,7 @@
           <a:p>
             <a:fld id="{7C9C9BC3-507B-4E82-86FE-EA1F0B27D2AB}" type="datetimeFigureOut">
               <a:rPr lang="ko-KR" altLang="en-US" smtClean="0"/>
-              <a:t>2023-05-20</a:t>
+              <a:t>2023-05-26</a:t>
             </a:fld>
             <a:endParaRPr lang="ko-KR" altLang="en-US"/>
           </a:p>
@@ -624,7 +624,7 @@
           <a:p>
             <a:fld id="{2262B9CB-7EE2-4110-A9C4-52DF80078EED}" type="datetimeFigureOut">
               <a:rPr lang="ko-KR" altLang="en-US" smtClean="0"/>
-              <a:t>2023-05-20</a:t>
+              <a:t>2023-05-26</a:t>
             </a:fld>
             <a:endParaRPr lang="ko-KR" altLang="en-US"/>
           </a:p>
@@ -827,7 +827,7 @@
           <a:p>
             <a:fld id="{2262B9CB-7EE2-4110-A9C4-52DF80078EED}" type="datetimeFigureOut">
               <a:rPr lang="ko-KR" altLang="en-US" smtClean="0"/>
-              <a:t>2023-05-20</a:t>
+              <a:t>2023-05-26</a:t>
             </a:fld>
             <a:endParaRPr lang="ko-KR" altLang="en-US"/>
           </a:p>
@@ -1035,7 +1035,7 @@
           <a:p>
             <a:fld id="{2262B9CB-7EE2-4110-A9C4-52DF80078EED}" type="datetimeFigureOut">
               <a:rPr lang="ko-KR" altLang="en-US" smtClean="0"/>
-              <a:t>2023-05-20</a:t>
+              <a:t>2023-05-26</a:t>
             </a:fld>
             <a:endParaRPr lang="ko-KR" altLang="en-US"/>
           </a:p>
@@ -1233,7 +1233,7 @@
           <a:p>
             <a:fld id="{2262B9CB-7EE2-4110-A9C4-52DF80078EED}" type="datetimeFigureOut">
               <a:rPr lang="ko-KR" altLang="en-US" smtClean="0"/>
-              <a:t>2023-05-20</a:t>
+              <a:t>2023-05-26</a:t>
             </a:fld>
             <a:endParaRPr lang="ko-KR" altLang="en-US"/>
           </a:p>
@@ -1383,7 +1383,7 @@
           <a:p>
             <a:fld id="{2262B9CB-7EE2-4110-A9C4-52DF80078EED}" type="datetimeFigureOut">
               <a:rPr lang="ko-KR" altLang="en-US" smtClean="0"/>
-              <a:t>2023-05-20</a:t>
+              <a:t>2023-05-26</a:t>
             </a:fld>
             <a:endParaRPr lang="ko-KR" altLang="en-US"/>
           </a:p>
@@ -1726,7 +1726,7 @@
           <a:p>
             <a:fld id="{2262B9CB-7EE2-4110-A9C4-52DF80078EED}" type="datetimeFigureOut">
               <a:rPr lang="ko-KR" altLang="en-US" smtClean="0"/>
-              <a:t>2023-05-20</a:t>
+              <a:t>2023-05-26</a:t>
             </a:fld>
             <a:endParaRPr lang="ko-KR" altLang="en-US"/>
           </a:p>
@@ -2138,7 +2138,7 @@
           <a:p>
             <a:fld id="{2262B9CB-7EE2-4110-A9C4-52DF80078EED}" type="datetimeFigureOut">
               <a:rPr lang="ko-KR" altLang="en-US" smtClean="0"/>
-              <a:t>2023-05-20</a:t>
+              <a:t>2023-05-26</a:t>
             </a:fld>
             <a:endParaRPr lang="ko-KR" altLang="en-US"/>
           </a:p>
@@ -2285,7 +2285,7 @@
           <a:p>
             <a:fld id="{2262B9CB-7EE2-4110-A9C4-52DF80078EED}" type="datetimeFigureOut">
               <a:rPr lang="ko-KR" altLang="en-US" smtClean="0"/>
-              <a:t>2023-05-20</a:t>
+              <a:t>2023-05-26</a:t>
             </a:fld>
             <a:endParaRPr lang="ko-KR" altLang="en-US"/>
           </a:p>
@@ -2398,7 +2398,7 @@
           <a:p>
             <a:fld id="{2262B9CB-7EE2-4110-A9C4-52DF80078EED}" type="datetimeFigureOut">
               <a:rPr lang="ko-KR" altLang="en-US" smtClean="0"/>
-              <a:t>2023-05-20</a:t>
+              <a:t>2023-05-26</a:t>
             </a:fld>
             <a:endParaRPr lang="ko-KR" altLang="en-US"/>
           </a:p>
@@ -2709,7 +2709,7 @@
           <a:p>
             <a:fld id="{2262B9CB-7EE2-4110-A9C4-52DF80078EED}" type="datetimeFigureOut">
               <a:rPr lang="ko-KR" altLang="en-US" smtClean="0"/>
-              <a:t>2023-05-20</a:t>
+              <a:t>2023-05-26</a:t>
             </a:fld>
             <a:endParaRPr lang="ko-KR" altLang="en-US"/>
           </a:p>
@@ -3000,7 +3000,7 @@
           <a:p>
             <a:fld id="{2262B9CB-7EE2-4110-A9C4-52DF80078EED}" type="datetimeFigureOut">
               <a:rPr lang="ko-KR" altLang="en-US" smtClean="0"/>
-              <a:t>2023-05-20</a:t>
+              <a:t>2023-05-26</a:t>
             </a:fld>
             <a:endParaRPr lang="ko-KR" altLang="en-US"/>
           </a:p>
@@ -3241,7 +3241,7 @@
           <a:p>
             <a:fld id="{2262B9CB-7EE2-4110-A9C4-52DF80078EED}" type="datetimeFigureOut">
               <a:rPr lang="ko-KR" altLang="en-US" smtClean="0"/>
-              <a:t>2023-05-20</a:t>
+              <a:t>2023-05-26</a:t>
             </a:fld>
             <a:endParaRPr lang="ko-KR" altLang="en-US"/>
           </a:p>
@@ -6431,7 +6431,7 @@
         </p:nvSpPr>
         <p:spPr>
           <a:xfrm>
-            <a:off x="1428361" y="1666180"/>
+            <a:off x="534743" y="1124882"/>
             <a:ext cx="9211236" cy="1285288"/>
           </a:xfrm>
           <a:prstGeom prst="rect">
@@ -6538,7 +6538,7 @@
         </p:blipFill>
         <p:spPr>
           <a:xfrm>
-            <a:off x="1313410" y="3140043"/>
+            <a:off x="752301" y="2630889"/>
             <a:ext cx="4277930" cy="1735198"/>
           </a:xfrm>
           <a:prstGeom prst="rect">
@@ -6568,7 +6568,7 @@
         </p:blipFill>
         <p:spPr>
           <a:xfrm>
-            <a:off x="5055266" y="4309726"/>
+            <a:off x="4494157" y="3800572"/>
             <a:ext cx="1957425" cy="1508180"/>
           </a:xfrm>
           <a:prstGeom prst="rect">
@@ -6590,7 +6590,7 @@
         </p:nvSpPr>
         <p:spPr>
           <a:xfrm>
-            <a:off x="5888004" y="3844696"/>
+            <a:off x="5326895" y="3335542"/>
             <a:ext cx="593329" cy="365125"/>
           </a:xfrm>
           <a:prstGeom prst="rightArrow">
@@ -6656,7 +6656,7 @@
         </p:blipFill>
         <p:spPr>
           <a:xfrm>
-            <a:off x="7074130" y="3429000"/>
+            <a:off x="6513021" y="2919846"/>
             <a:ext cx="3421241" cy="1666570"/>
           </a:xfrm>
           <a:prstGeom prst="rect">
@@ -7169,7 +7169,7 @@
         </p:nvGrpSpPr>
         <p:grpSpPr>
           <a:xfrm>
-            <a:off x="762000" y="2204865"/>
+            <a:off x="548986" y="1591801"/>
             <a:ext cx="8412088" cy="3179473"/>
             <a:chOff x="968156" y="2420888"/>
             <a:chExt cx="6030416" cy="3179473"/>
@@ -7940,7 +7940,7 @@
         </p:nvSpPr>
         <p:spPr>
           <a:xfrm>
-            <a:off x="987786" y="1690688"/>
+            <a:off x="712427" y="1337397"/>
             <a:ext cx="9211236" cy="4701608"/>
           </a:xfrm>
           <a:prstGeom prst="rect">
